--- a/Apresentação/Apresentação1.pptx
+++ b/Apresentação/Apresentação1.pptx
@@ -374,7 +374,7 @@
     </p:spTree>
     <p:extLst>
       <p:ext uri="{BB962C8B-B14F-4D97-AF65-F5344CB8AC3E}">
-        <p14:creationId xmlns:p14="http://schemas.microsoft.com/office/powerpoint/2010/main" xmlns="" val="3258174392"/>
+        <p14:creationId xmlns="" xmlns:p14="http://schemas.microsoft.com/office/powerpoint/2010/main" val="3258174392"/>
       </p:ext>
     </p:extLst>
   </p:cSld>
@@ -14969,7 +14969,7 @@
           <a:blip r:embed="rId2" cstate="print">
             <a:extLst>
               <a:ext uri="{28A0092B-C50C-407E-A947-70E740481C1C}">
-                <a14:useLocalDpi xmlns:a14="http://schemas.microsoft.com/office/drawing/2010/main" xmlns="" val="0"/>
+                <a14:useLocalDpi xmlns="" xmlns:a14="http://schemas.microsoft.com/office/drawing/2010/main" val="0"/>
               </a:ext>
             </a:extLst>
           </a:blip>
@@ -14989,7 +14989,7 @@
           <a:noFill/>
           <a:extLst>
             <a:ext uri="{909E8E84-426E-40DD-AFC4-6F175D3DCCD1}">
-              <a14:hiddenFill xmlns:a14="http://schemas.microsoft.com/office/drawing/2010/main" xmlns="">
+              <a14:hiddenFill xmlns="" xmlns:a14="http://schemas.microsoft.com/office/drawing/2010/main">
                 <a:solidFill>
                   <a:srgbClr val="FFFFFF"/>
                 </a:solidFill>
@@ -15092,7 +15092,7 @@
           <a:blip r:embed="rId3" cstate="print">
             <a:extLst>
               <a:ext uri="{28A0092B-C50C-407E-A947-70E740481C1C}">
-                <a14:useLocalDpi xmlns:a14="http://schemas.microsoft.com/office/drawing/2010/main" xmlns="" val="0"/>
+                <a14:useLocalDpi xmlns="" xmlns:a14="http://schemas.microsoft.com/office/drawing/2010/main" val="0"/>
               </a:ext>
             </a:extLst>
           </a:blip>
@@ -15112,7 +15112,7 @@
           <a:noFill/>
           <a:extLst>
             <a:ext uri="{909E8E84-426E-40DD-AFC4-6F175D3DCCD1}">
-              <a14:hiddenFill xmlns:a14="http://schemas.microsoft.com/office/drawing/2010/main" xmlns="">
+              <a14:hiddenFill xmlns="" xmlns:a14="http://schemas.microsoft.com/office/drawing/2010/main">
                 <a:solidFill>
                   <a:srgbClr val="FFFFFF"/>
                 </a:solidFill>
@@ -15124,7 +15124,7 @@
     </p:spTree>
     <p:extLst>
       <p:ext uri="{BB962C8B-B14F-4D97-AF65-F5344CB8AC3E}">
-        <p14:creationId xmlns:p14="http://schemas.microsoft.com/office/powerpoint/2010/main" xmlns="" val="114713100"/>
+        <p14:creationId xmlns="" xmlns:p14="http://schemas.microsoft.com/office/powerpoint/2010/main" val="114713100"/>
       </p:ext>
     </p:extLst>
   </p:cSld>
@@ -15244,7 +15244,7 @@
           <p:nvPr>
             <p:extLst>
               <p:ext uri="{D42A27DB-BD31-4B8C-83A1-F6EECF244321}">
-                <p14:modId xmlns:p14="http://schemas.microsoft.com/office/powerpoint/2010/main" xmlns="" val="2812301370"/>
+                <p14:modId xmlns="" xmlns:p14="http://schemas.microsoft.com/office/powerpoint/2010/main" val="2812301370"/>
               </p:ext>
             </p:extLst>
           </p:nvPr>
@@ -15457,12 +15457,12 @@
                         </a:spcAft>
                       </a:pPr>
                       <a:r>
-                        <a:rPr lang="pt-BR" sz="1100">
+                        <a:rPr lang="pt-BR" sz="1100" dirty="0">
                           <a:effectLst/>
                         </a:rPr>
                         <a:t>Semidestacado</a:t>
                       </a:r>
-                      <a:endParaRPr lang="pt-BR" sz="1100">
+                      <a:endParaRPr lang="pt-BR" sz="1100" dirty="0">
                         <a:effectLst/>
                         <a:latin typeface="Calibri"/>
                         <a:ea typeface="Calibri"/>
@@ -15575,12 +15575,12 @@
                         </a:spcAft>
                       </a:pPr>
                       <a:r>
-                        <a:rPr lang="pt-BR" sz="1100">
+                        <a:rPr lang="pt-BR" sz="1100" dirty="0">
                           <a:effectLst/>
                         </a:rPr>
                         <a:t>2.8</a:t>
                       </a:r>
-                      <a:endParaRPr lang="pt-BR" sz="1100">
+                      <a:endParaRPr lang="pt-BR" sz="1100" dirty="0">
                         <a:effectLst/>
                         <a:latin typeface="Calibri"/>
                         <a:ea typeface="Calibri"/>
@@ -15652,11 +15652,7 @@
           <a:p>
             <a:r>
               <a:rPr lang="pt-BR" sz="1400" dirty="0" smtClean="0"/>
-              <a:t>Esforço aplicado pessoa-mês (E):  </a:t>
-            </a:r>
-            <a:r>
-              <a:rPr lang="pt-BR" sz="1400" dirty="0" smtClean="0"/>
-              <a:t>ai(LOC)^(BI) * EAF= 3,2 * (2,2^1,05) *0,84 =  6,15  </a:t>
+              <a:t>Esforço aplicado pessoa-mês (E):  ai(LOC)^(BI) * EAF= 3,2 * (2,2^1,05) *0,84 =  6,15  </a:t>
             </a:r>
             <a:endParaRPr lang="pt-BR" sz="1400" dirty="0"/>
           </a:p>
@@ -15699,7 +15695,7 @@
     </p:spTree>
     <p:extLst>
       <p:ext uri="{BB962C8B-B14F-4D97-AF65-F5344CB8AC3E}">
-        <p14:creationId xmlns:p14="http://schemas.microsoft.com/office/powerpoint/2010/main" xmlns="" val="3637396740"/>
+        <p14:creationId xmlns="" xmlns:p14="http://schemas.microsoft.com/office/powerpoint/2010/main" val="3637396740"/>
       </p:ext>
     </p:extLst>
   </p:cSld>
@@ -15782,14 +15778,14 @@
           <p:nvPr>
             <p:extLst>
               <p:ext uri="{D42A27DB-BD31-4B8C-83A1-F6EECF244321}">
-                <p14:modId xmlns:p14="http://schemas.microsoft.com/office/powerpoint/2010/main" xmlns="" val="844152769"/>
+                <p14:modId xmlns="" xmlns:p14="http://schemas.microsoft.com/office/powerpoint/2010/main" val="844152769"/>
               </p:ext>
             </p:extLst>
           </p:nvPr>
         </p:nvGraphicFramePr>
         <p:xfrm>
           <a:off x="5286380" y="428604"/>
-          <a:ext cx="3354805" cy="1270381"/>
+          <a:ext cx="3354805" cy="1349502"/>
         </p:xfrm>
         <a:graphic>
           <a:graphicData uri="http://schemas.openxmlformats.org/drawingml/2006/table">
@@ -16546,7 +16542,7 @@
           <p:nvPr>
             <p:extLst>
               <p:ext uri="{D42A27DB-BD31-4B8C-83A1-F6EECF244321}">
-                <p14:modId xmlns:p14="http://schemas.microsoft.com/office/powerpoint/2010/main" xmlns="" val="844152769"/>
+                <p14:modId xmlns="" xmlns:p14="http://schemas.microsoft.com/office/powerpoint/2010/main" val="844152769"/>
               </p:ext>
             </p:extLst>
           </p:nvPr>
@@ -21254,7 +21250,7 @@
           <p:nvPr>
             <p:extLst>
               <p:ext uri="{D42A27DB-BD31-4B8C-83A1-F6EECF244321}">
-                <p14:modId xmlns:p14="http://schemas.microsoft.com/office/powerpoint/2010/main" xmlns="" val="1546644280"/>
+                <p14:modId xmlns="" xmlns:p14="http://schemas.microsoft.com/office/powerpoint/2010/main" val="1546644280"/>
               </p:ext>
             </p:extLst>
           </p:nvPr>
@@ -21841,7 +21837,7 @@
     </p:spTree>
     <p:extLst>
       <p:ext uri="{BB962C8B-B14F-4D97-AF65-F5344CB8AC3E}">
-        <p14:creationId xmlns:p14="http://schemas.microsoft.com/office/powerpoint/2010/main" xmlns="" val="3637396740"/>
+        <p14:creationId xmlns="" xmlns:p14="http://schemas.microsoft.com/office/powerpoint/2010/main" val="3637396740"/>
       </p:ext>
     </p:extLst>
   </p:cSld>
@@ -21925,7 +21921,7 @@
           <a:blip r:embed="rId2">
             <a:extLst>
               <a:ext uri="{28A0092B-C50C-407E-A947-70E740481C1C}">
-                <a14:useLocalDpi xmlns:a14="http://schemas.microsoft.com/office/drawing/2010/main" xmlns="" val="0"/>
+                <a14:useLocalDpi xmlns="" xmlns:a14="http://schemas.microsoft.com/office/drawing/2010/main" val="0"/>
               </a:ext>
             </a:extLst>
           </a:blip>
@@ -21945,7 +21941,7 @@
           <a:noFill/>
           <a:extLst>
             <a:ext uri="{909E8E84-426E-40DD-AFC4-6F175D3DCCD1}">
-              <a14:hiddenFill xmlns:a14="http://schemas.microsoft.com/office/drawing/2010/main" xmlns="">
+              <a14:hiddenFill xmlns="" xmlns:a14="http://schemas.microsoft.com/office/drawing/2010/main">
                 <a:solidFill>
                   <a:srgbClr val="FFFFFF"/>
                 </a:solidFill>
@@ -21957,7 +21953,7 @@
     </p:spTree>
     <p:extLst>
       <p:ext uri="{BB962C8B-B14F-4D97-AF65-F5344CB8AC3E}">
-        <p14:creationId xmlns:p14="http://schemas.microsoft.com/office/powerpoint/2010/main" xmlns="" val="3600637867"/>
+        <p14:creationId xmlns="" xmlns:p14="http://schemas.microsoft.com/office/powerpoint/2010/main" val="3600637867"/>
       </p:ext>
     </p:extLst>
   </p:cSld>
@@ -22088,7 +22084,7 @@
     </p:spTree>
     <p:extLst>
       <p:ext uri="{BB962C8B-B14F-4D97-AF65-F5344CB8AC3E}">
-        <p14:creationId xmlns:p14="http://schemas.microsoft.com/office/powerpoint/2010/main" xmlns="" val="1079664290"/>
+        <p14:creationId xmlns="" xmlns:p14="http://schemas.microsoft.com/office/powerpoint/2010/main" val="1079664290"/>
       </p:ext>
     </p:extLst>
   </p:cSld>
@@ -22319,7 +22315,7 @@
           <a:blip r:embed="rId2">
             <a:extLst>
               <a:ext uri="{28A0092B-C50C-407E-A947-70E740481C1C}">
-                <a14:useLocalDpi xmlns:a14="http://schemas.microsoft.com/office/drawing/2010/main" xmlns="" val="0"/>
+                <a14:useLocalDpi xmlns="" xmlns:a14="http://schemas.microsoft.com/office/drawing/2010/main" val="0"/>
               </a:ext>
             </a:extLst>
           </a:blip>
@@ -22339,7 +22335,7 @@
           <a:noFill/>
           <a:extLst>
             <a:ext uri="{909E8E84-426E-40DD-AFC4-6F175D3DCCD1}">
-              <a14:hiddenFill xmlns:a14="http://schemas.microsoft.com/office/drawing/2010/main" xmlns="">
+              <a14:hiddenFill xmlns="" xmlns:a14="http://schemas.microsoft.com/office/drawing/2010/main">
                 <a:solidFill>
                   <a:srgbClr val="FFFFFF"/>
                 </a:solidFill>
@@ -22351,7 +22347,7 @@
     </p:spTree>
     <p:extLst>
       <p:ext uri="{BB962C8B-B14F-4D97-AF65-F5344CB8AC3E}">
-        <p14:creationId xmlns:p14="http://schemas.microsoft.com/office/powerpoint/2010/main" xmlns="" val="4008345215"/>
+        <p14:creationId xmlns="" xmlns:p14="http://schemas.microsoft.com/office/powerpoint/2010/main" val="4008345215"/>
       </p:ext>
     </p:extLst>
   </p:cSld>
@@ -22412,15 +22408,7 @@
             </a:pPr>
             <a:r>
               <a:rPr lang="pt-BR" dirty="0" smtClean="0"/>
-              <a:t>cadastro e alteração de </a:t>
-            </a:r>
-            <a:r>
-              <a:rPr lang="pt-BR" dirty="0" smtClean="0"/>
-              <a:t>funcionário </a:t>
-            </a:r>
-            <a:r>
-              <a:rPr lang="pt-BR" dirty="0" smtClean="0"/>
-              <a:t>{nome, salario, rg, cpf, endereco}</a:t>
+              <a:t>cadastro e alteração de funcionário {nome, salario, rg, cpf, endereco}</a:t>
             </a:r>
           </a:p>
           <a:p>
@@ -22527,7 +22515,7 @@
           <a:blip r:embed="rId2">
             <a:extLst>
               <a:ext uri="{28A0092B-C50C-407E-A947-70E740481C1C}">
-                <a14:useLocalDpi xmlns:a14="http://schemas.microsoft.com/office/drawing/2010/main" xmlns="" val="0"/>
+                <a14:useLocalDpi xmlns="" xmlns:a14="http://schemas.microsoft.com/office/drawing/2010/main" val="0"/>
               </a:ext>
             </a:extLst>
           </a:blip>
@@ -22547,7 +22535,7 @@
           <a:noFill/>
           <a:extLst>
             <a:ext uri="{909E8E84-426E-40DD-AFC4-6F175D3DCCD1}">
-              <a14:hiddenFill xmlns:a14="http://schemas.microsoft.com/office/drawing/2010/main" xmlns="">
+              <a14:hiddenFill xmlns="" xmlns:a14="http://schemas.microsoft.com/office/drawing/2010/main">
                 <a:solidFill>
                   <a:srgbClr val="FFFFFF"/>
                 </a:solidFill>
@@ -22559,7 +22547,7 @@
     </p:spTree>
     <p:extLst>
       <p:ext uri="{BB962C8B-B14F-4D97-AF65-F5344CB8AC3E}">
-        <p14:creationId xmlns:p14="http://schemas.microsoft.com/office/powerpoint/2010/main" xmlns="" val="3590552003"/>
+        <p14:creationId xmlns="" xmlns:p14="http://schemas.microsoft.com/office/powerpoint/2010/main" val="3590552003"/>
       </p:ext>
     </p:extLst>
   </p:cSld>
@@ -22756,7 +22744,7 @@
           <a:blip r:embed="rId2">
             <a:extLst>
               <a:ext uri="{28A0092B-C50C-407E-A947-70E740481C1C}">
-                <a14:useLocalDpi xmlns:a14="http://schemas.microsoft.com/office/drawing/2010/main" xmlns="" val="0"/>
+                <a14:useLocalDpi xmlns="" xmlns:a14="http://schemas.microsoft.com/office/drawing/2010/main" val="0"/>
               </a:ext>
             </a:extLst>
           </a:blip>
@@ -22776,7 +22764,7 @@
           <a:noFill/>
           <a:extLst>
             <a:ext uri="{909E8E84-426E-40DD-AFC4-6F175D3DCCD1}">
-              <a14:hiddenFill xmlns:a14="http://schemas.microsoft.com/office/drawing/2010/main" xmlns="">
+              <a14:hiddenFill xmlns="" xmlns:a14="http://schemas.microsoft.com/office/drawing/2010/main">
                 <a:solidFill>
                   <a:srgbClr val="FFFFFF"/>
                 </a:solidFill>
@@ -22788,7 +22776,7 @@
     </p:spTree>
     <p:extLst>
       <p:ext uri="{BB962C8B-B14F-4D97-AF65-F5344CB8AC3E}">
-        <p14:creationId xmlns:p14="http://schemas.microsoft.com/office/powerpoint/2010/main" xmlns="" val="3672195228"/>
+        <p14:creationId xmlns="" xmlns:p14="http://schemas.microsoft.com/office/powerpoint/2010/main" val="3672195228"/>
       </p:ext>
     </p:extLst>
   </p:cSld>
@@ -22985,11 +22973,7 @@
             </a:pPr>
             <a:r>
               <a:rPr lang="pt-BR" sz="1600" dirty="0" smtClean="0"/>
-              <a:t>$/LOC: Custo por linha de código fonte. {qtdePessoas*salario*meses/LOC-Esperado</a:t>
-            </a:r>
-            <a:r>
-              <a:rPr lang="pt-BR" sz="1600" dirty="0" smtClean="0"/>
-              <a:t>}</a:t>
+              <a:t>$/LOC: Custo por linha de código fonte. {qtdePessoas*salario*meses/LOC-Esperado}</a:t>
             </a:r>
           </a:p>
           <a:p>
@@ -23082,7 +23066,7 @@
     </p:spTree>
     <p:extLst>
       <p:ext uri="{BB962C8B-B14F-4D97-AF65-F5344CB8AC3E}">
-        <p14:creationId xmlns:p14="http://schemas.microsoft.com/office/powerpoint/2010/main" xmlns="" val="1182914262"/>
+        <p14:creationId xmlns="" xmlns:p14="http://schemas.microsoft.com/office/powerpoint/2010/main" val="1182914262"/>
       </p:ext>
     </p:extLst>
   </p:cSld>
@@ -23165,7 +23149,7 @@
           <p:nvPr>
             <p:extLst>
               <p:ext uri="{D42A27DB-BD31-4B8C-83A1-F6EECF244321}">
-                <p14:modId xmlns:p14="http://schemas.microsoft.com/office/powerpoint/2010/main" xmlns="" val="3434119093"/>
+                <p14:modId xmlns="" xmlns:p14="http://schemas.microsoft.com/office/powerpoint/2010/main" val="3434119093"/>
               </p:ext>
             </p:extLst>
           </p:nvPr>
@@ -26536,7 +26520,7 @@
     </p:spTree>
     <p:extLst>
       <p:ext uri="{BB962C8B-B14F-4D97-AF65-F5344CB8AC3E}">
-        <p14:creationId xmlns:p14="http://schemas.microsoft.com/office/powerpoint/2010/main" xmlns="" val="1836262068"/>
+        <p14:creationId xmlns="" xmlns:p14="http://schemas.microsoft.com/office/powerpoint/2010/main" val="1836262068"/>
       </p:ext>
     </p:extLst>
   </p:cSld>
@@ -26579,7 +26563,7 @@
           <p:nvPr>
             <p:extLst>
               <p:ext uri="{D42A27DB-BD31-4B8C-83A1-F6EECF244321}">
-                <p14:modId xmlns:p14="http://schemas.microsoft.com/office/powerpoint/2010/main" xmlns="" val="844152769"/>
+                <p14:modId xmlns="" xmlns:p14="http://schemas.microsoft.com/office/powerpoint/2010/main" val="844152769"/>
               </p:ext>
             </p:extLst>
           </p:nvPr>
@@ -27476,12 +27460,12 @@
                         </a:tabLst>
                       </a:pPr>
                       <a:r>
-                        <a:rPr lang="pt-BR" sz="1100" smtClean="0">
+                        <a:rPr lang="pt-BR" sz="1100" dirty="0" smtClean="0">
                           <a:effectLst/>
                         </a:rPr>
                         <a:t>7.0</a:t>
                       </a:r>
-                      <a:endParaRPr lang="pt-BR" sz="1100">
+                      <a:endParaRPr lang="pt-BR" sz="1100" dirty="0">
                         <a:effectLst/>
                         <a:latin typeface="Calibri"/>
                         <a:ea typeface="Calibri"/>
@@ -29117,7 +29101,7 @@
                       <a:r>
                         <a:rPr lang="pt-BR" sz="1100" dirty="0" smtClean="0">
                           <a:effectLst/>
-                          <a:latin typeface="Calibri"/>
+                          <a:latin typeface="+mj-lt"/>
                           <a:ea typeface="Calibri"/>
                           <a:cs typeface="Times New Roman"/>
                         </a:rPr>
@@ -29125,7 +29109,7 @@
                       </a:r>
                       <a:endParaRPr lang="pt-BR" sz="1100" dirty="0">
                         <a:effectLst/>
-                        <a:latin typeface="Calibri"/>
+                        <a:latin typeface="+mj-lt"/>
                         <a:ea typeface="Calibri"/>
                         <a:cs typeface="Times New Roman"/>
                       </a:endParaRPr>
@@ -29152,7 +29136,7 @@
                       <a:r>
                         <a:rPr lang="pt-BR" sz="1100" dirty="0" smtClean="0">
                           <a:effectLst/>
-                          <a:latin typeface="Calibri"/>
+                          <a:latin typeface="+mj-lt"/>
                           <a:ea typeface="Calibri"/>
                           <a:cs typeface="Times New Roman"/>
                         </a:rPr>
@@ -29160,7 +29144,7 @@
                       </a:r>
                       <a:endParaRPr lang="pt-BR" sz="1100" dirty="0">
                         <a:effectLst/>
-                        <a:latin typeface="Calibri"/>
+                        <a:latin typeface="+mj-lt"/>
                         <a:ea typeface="Calibri"/>
                         <a:cs typeface="Times New Roman"/>
                       </a:endParaRPr>
@@ -29187,7 +29171,7 @@
                       <a:r>
                         <a:rPr lang="pt-BR" sz="1100" dirty="0" smtClean="0">
                           <a:effectLst/>
-                          <a:latin typeface="Calibri"/>
+                          <a:latin typeface="+mj-lt"/>
                           <a:ea typeface="Calibri"/>
                           <a:cs typeface="Times New Roman"/>
                         </a:rPr>
@@ -29195,7 +29179,7 @@
                       </a:r>
                       <a:endParaRPr lang="pt-BR" sz="1100" dirty="0">
                         <a:effectLst/>
-                        <a:latin typeface="Calibri"/>
+                        <a:latin typeface="+mj-lt"/>
                         <a:ea typeface="Calibri"/>
                         <a:cs typeface="Times New Roman"/>
                       </a:endParaRPr>
@@ -29222,7 +29206,7 @@
                       <a:r>
                         <a:rPr lang="pt-BR" sz="1100" dirty="0" smtClean="0">
                           <a:effectLst/>
-                          <a:latin typeface="Calibri"/>
+                          <a:latin typeface="+mj-lt"/>
                           <a:ea typeface="Calibri"/>
                           <a:cs typeface="Times New Roman"/>
                         </a:rPr>
@@ -29230,7 +29214,7 @@
                       </a:r>
                       <a:endParaRPr lang="pt-BR" sz="1100" dirty="0">
                         <a:effectLst/>
-                        <a:latin typeface="Calibri"/>
+                        <a:latin typeface="+mj-lt"/>
                         <a:ea typeface="Calibri"/>
                         <a:cs typeface="Times New Roman"/>
                       </a:endParaRPr>
@@ -29257,7 +29241,7 @@
                       <a:r>
                         <a:rPr lang="pt-BR" sz="1100" dirty="0" smtClean="0">
                           <a:effectLst/>
-                          <a:latin typeface="Calibri"/>
+                          <a:latin typeface="+mj-lt"/>
                           <a:ea typeface="Calibri"/>
                           <a:cs typeface="Times New Roman"/>
                         </a:rPr>
@@ -29265,7 +29249,7 @@
                       </a:r>
                       <a:endParaRPr lang="pt-BR" sz="1100" dirty="0">
                         <a:effectLst/>
-                        <a:latin typeface="Calibri"/>
+                        <a:latin typeface="+mj-lt"/>
                         <a:ea typeface="Calibri"/>
                         <a:cs typeface="Times New Roman"/>
                       </a:endParaRPr>
@@ -29350,7 +29334,7 @@
     </p:spTree>
     <p:extLst>
       <p:ext uri="{BB962C8B-B14F-4D97-AF65-F5344CB8AC3E}">
-        <p14:creationId xmlns:p14="http://schemas.microsoft.com/office/powerpoint/2010/main" xmlns="" val="3954925351"/>
+        <p14:creationId xmlns="" xmlns:p14="http://schemas.microsoft.com/office/powerpoint/2010/main" val="3954925351"/>
       </p:ext>
     </p:extLst>
   </p:cSld>
@@ -29393,7 +29377,7 @@
           <p:nvPr>
             <p:extLst>
               <p:ext uri="{D42A27DB-BD31-4B8C-83A1-F6EECF244321}">
-                <p14:modId xmlns:p14="http://schemas.microsoft.com/office/powerpoint/2010/main" xmlns="" val="536251834"/>
+                <p14:modId xmlns="" xmlns:p14="http://schemas.microsoft.com/office/powerpoint/2010/main" val="536251834"/>
               </p:ext>
             </p:extLst>
           </p:nvPr>
@@ -30103,11 +30087,7 @@
           <a:p>
             <a:r>
               <a:rPr lang="pt-BR" b="1" i="1" dirty="0" smtClean="0"/>
-              <a:t>Projeto </a:t>
-            </a:r>
-            <a:r>
-              <a:rPr lang="pt-BR" b="1" i="1" dirty="0" smtClean="0"/>
-              <a:t>Orgânico</a:t>
+              <a:t>Projeto Orgânico</a:t>
             </a:r>
             <a:endParaRPr lang="pt-BR" dirty="0" smtClean="0"/>
           </a:p>
@@ -30118,11 +30098,7 @@
             </a:pPr>
             <a:r>
               <a:rPr lang="pt-BR" sz="1400" dirty="0" smtClean="0"/>
-              <a:t>Esforço aplicado pessoa-mês (E): 2.4*2.2^1.05 = </a:t>
-            </a:r>
-            <a:r>
-              <a:rPr lang="pt-BR" sz="1400" dirty="0" smtClean="0"/>
-              <a:t>6</a:t>
+              <a:t>Esforço aplicado pessoa-mês (E): 2.4*2.2^1.05 = 6</a:t>
             </a:r>
           </a:p>
           <a:p>
@@ -30139,11 +30115,7 @@
             </a:pPr>
             <a:r>
               <a:rPr lang="pt-BR" sz="1400" dirty="0" smtClean="0"/>
-              <a:t>Tempo de desenvolvimento em meses (D): 2.5*6^0.38 = </a:t>
-            </a:r>
-            <a:r>
-              <a:rPr lang="pt-BR" sz="1400" dirty="0" smtClean="0"/>
-              <a:t>4.9</a:t>
+              <a:t>Tempo de desenvolvimento em meses (D): 2.5*6^0.38 = 4.9</a:t>
             </a:r>
           </a:p>
           <a:p>
@@ -30169,7 +30141,7 @@
     </p:spTree>
     <p:extLst>
       <p:ext uri="{BB962C8B-B14F-4D97-AF65-F5344CB8AC3E}">
-        <p14:creationId xmlns:p14="http://schemas.microsoft.com/office/powerpoint/2010/main" xmlns="" val="3637396740"/>
+        <p14:creationId xmlns="" xmlns:p14="http://schemas.microsoft.com/office/powerpoint/2010/main" val="3637396740"/>
       </p:ext>
     </p:extLst>
   </p:cSld>
